--- a/FnConf2016/Talks/Notation for Parallel Thoughts FunctionalConf 16.pptx
+++ b/FnConf2016/Talks/Notation for Parallel Thoughts FunctionalConf 16.pptx
@@ -18783,7 +18783,7 @@
               <a:rPr lang="en-GB" sz="2000" dirty="0">
                 <a:latin typeface="APL385 Unicode" panose="020B0709000202000203" pitchFamily="49" charset="0"/>
               </a:rPr>
-              <a:t>     (+⌿ ÷ ≢) ⍵ ←→ (+/⍵) ÷ (≢ ⍵) ⍝ mean is sum ÷ count</a:t>
+              <a:t>     (+⌿ ÷ ≢) ⍵ ←→ (+⌿⍵) ÷ (≢ ⍵) ⍝ mean is sum ÷ count</a:t>
             </a:r>
             <a:br>
               <a:rPr lang="en-GB" sz="2000" dirty="0"/>
